--- a/presentations/beta.pptx
+++ b/presentations/beta.pptx
@@ -8,7 +8,9 @@
     <p:sldId id="256" r:id="rId2"/>
     <p:sldId id="260" r:id="rId3"/>
     <p:sldId id="259" r:id="rId4"/>
-    <p:sldId id="258" r:id="rId5"/>
+    <p:sldId id="261" r:id="rId5"/>
+    <p:sldId id="258" r:id="rId6"/>
+    <p:sldId id="262" r:id="rId7"/>
   </p:sldIdLst>
   <p:sldSz cx="9144000" cy="6858000" type="screen4x3"/>
   <p:notesSz cx="6858000" cy="9144000"/>
@@ -3736,7 +3738,15 @@
             </a:r>
             <a:r>
               <a:rPr lang="en-US" b="1" dirty="0" smtClean="0"/>
-              <a:t> Rendering Pipeline in CUDA for Real-time Indirect Illumination</a:t>
+              <a:t> Rendering Pipeline in CUDA for Real-time Indirect </a:t>
+            </a:r>
+            <a:r>
+              <a:rPr lang="en-US" b="1" dirty="0" smtClean="0"/>
+              <a:t>Illumination - </a:t>
+            </a:r>
+            <a:r>
+              <a:rPr lang="el-GR" b="1" dirty="0" smtClean="0"/>
+              <a:t>β</a:t>
             </a:r>
             <a:endParaRPr lang="en-US" dirty="0"/>
           </a:p>
@@ -3800,9 +3810,16 @@
             <p:ph sz="quarter" idx="1"/>
           </p:nvPr>
         </p:nvSpPr>
-        <p:spPr/>
-        <p:txBody>
-          <a:bodyPr/>
+        <p:spPr>
+          <a:xfrm>
+            <a:off x="914400" y="1447800"/>
+            <a:ext cx="7772400" cy="4953000"/>
+          </a:xfrm>
+        </p:spPr>
+        <p:txBody>
+          <a:bodyPr>
+            <a:normAutofit lnSpcReduction="10000"/>
+          </a:bodyPr>
           <a:lstStyle/>
           <a:p>
             <a:r>
@@ -3822,16 +3839,73 @@
           <a:p>
             <a:r>
               <a:rPr lang="en-US" dirty="0" smtClean="0"/>
-              <a:t>Texture Mapping in </a:t>
+              <a:t>Texture </a:t>
+            </a:r>
+            <a:r>
+              <a:rPr lang="en-US" dirty="0" smtClean="0"/>
+              <a:t>Mapping</a:t>
+            </a:r>
+            <a:endParaRPr lang="en-US" dirty="0" smtClean="0"/>
+          </a:p>
+          <a:p>
+            <a:pPr lvl="1"/>
+            <a:r>
+              <a:rPr lang="en-US" dirty="0" smtClean="0"/>
+              <a:t>Mesh Pipeline</a:t>
+            </a:r>
+          </a:p>
+          <a:p>
+            <a:pPr lvl="2"/>
+            <a:r>
+              <a:rPr lang="en-US" dirty="0" smtClean="0"/>
+              <a:t>In Progress - OpenGL </a:t>
             </a:r>
             <a:r>
               <a:rPr lang="en-US" dirty="0" err="1" smtClean="0"/>
-              <a:t>Voxelization</a:t>
+              <a:t>Shaders</a:t>
+            </a:r>
+            <a:r>
+              <a:rPr lang="en-US" dirty="0" smtClean="0"/>
+              <a:t> use Texture Coordinates</a:t>
+            </a:r>
+          </a:p>
+          <a:p>
+            <a:pPr lvl="2"/>
+            <a:r>
+              <a:rPr lang="en-US" dirty="0" smtClean="0"/>
+              <a:t>In Test - CUDA </a:t>
+            </a:r>
+            <a:r>
+              <a:rPr lang="en-US" dirty="0" err="1" smtClean="0"/>
+              <a:t>Rasterizer</a:t>
+            </a:r>
+            <a:r>
+              <a:rPr lang="en-US" dirty="0" smtClean="0"/>
+              <a:t> does the equivalent</a:t>
+            </a:r>
+          </a:p>
+          <a:p>
+            <a:pPr lvl="1"/>
+            <a:r>
+              <a:rPr lang="en-US" dirty="0" err="1" smtClean="0"/>
+              <a:t>Voxel</a:t>
+            </a:r>
+            <a:r>
+              <a:rPr lang="en-US" dirty="0" smtClean="0"/>
+              <a:t> </a:t>
+            </a:r>
+            <a:r>
+              <a:rPr lang="en-US" dirty="0" smtClean="0"/>
+              <a:t>Pipeline</a:t>
             </a:r>
             <a:endParaRPr lang="en-US" dirty="0" smtClean="0"/>
           </a:p>
           <a:p>
-            <a:pPr lvl="1"/>
+            <a:pPr lvl="2"/>
+            <a:r>
+              <a:rPr lang="en-US" dirty="0" smtClean="0"/>
+              <a:t>Complete - New </a:t>
+            </a:r>
             <a:r>
               <a:rPr lang="en-US" dirty="0" err="1" smtClean="0"/>
               <a:t>VoxelPipe</a:t>
@@ -3842,11 +3916,27 @@
             </a:r>
             <a:r>
               <a:rPr lang="en-US" dirty="0" err="1" smtClean="0"/>
-              <a:t>Shader</a:t>
+              <a:t>s</a:t>
+            </a:r>
+            <a:r>
+              <a:rPr lang="en-US" dirty="0" err="1" smtClean="0"/>
+              <a:t>hader</a:t>
             </a:r>
             <a:r>
               <a:rPr lang="en-US" dirty="0" smtClean="0"/>
-              <a:t> maps texture color into </a:t>
+              <a:t> </a:t>
+            </a:r>
+            <a:r>
+              <a:rPr lang="en-US" dirty="0" smtClean="0"/>
+              <a:t>maps texture </a:t>
+            </a:r>
+            <a:r>
+              <a:rPr lang="en-US" dirty="0" smtClean="0"/>
+              <a:t>color directly </a:t>
+            </a:r>
+            <a:r>
+              <a:rPr lang="en-US" dirty="0" smtClean="0"/>
+              <a:t>into </a:t>
             </a:r>
             <a:r>
               <a:rPr lang="en-US" dirty="0" err="1" smtClean="0"/>
@@ -3855,11 +3945,24 @@
             <a:endParaRPr lang="en-US" dirty="0" smtClean="0"/>
           </a:p>
           <a:p>
-            <a:pPr lvl="1"/>
+            <a:pPr lvl="2"/>
             <a:r>
               <a:rPr lang="en-US" dirty="0" smtClean="0"/>
-              <a:t>Texture Mapping in OpenGL/CUDA Rendering pipelines</a:t>
-            </a:r>
+              <a:t>In  Test - Additional OpenGL </a:t>
+            </a:r>
+            <a:r>
+              <a:rPr lang="en-US" dirty="0" err="1" smtClean="0"/>
+              <a:t>shaders</a:t>
+            </a:r>
+            <a:r>
+              <a:rPr lang="en-US" dirty="0" smtClean="0"/>
+              <a:t> to use CBO created from colored </a:t>
+            </a:r>
+            <a:r>
+              <a:rPr lang="en-US" dirty="0" err="1" smtClean="0"/>
+              <a:t>voxels</a:t>
+            </a:r>
+            <a:endParaRPr lang="en-US" dirty="0" smtClean="0"/>
           </a:p>
           <a:p>
             <a:r>
@@ -3884,10 +3987,14 @@
             </a:r>
           </a:p>
           <a:p>
-            <a:pPr lvl="1"/>
+            <a:pPr lvl="2"/>
             <a:r>
               <a:rPr lang="en-US" dirty="0" smtClean="0"/>
-              <a:t>Construct Node Pool in GPU memory from </a:t>
+              <a:t>Complete - Construct </a:t>
+            </a:r>
+            <a:r>
+              <a:rPr lang="en-US" dirty="0" smtClean="0"/>
+              <a:t>Node Pool in GPU memory from </a:t>
             </a:r>
             <a:r>
               <a:rPr lang="en-US" dirty="0" err="1" smtClean="0"/>
@@ -3895,14 +4002,26 @@
             </a:r>
             <a:r>
               <a:rPr lang="en-US" dirty="0" smtClean="0"/>
-              <a:t> data</a:t>
-            </a:r>
-          </a:p>
-          <a:p>
-            <a:pPr lvl="1"/>
+              <a:t> </a:t>
+            </a:r>
             <a:r>
               <a:rPr lang="en-US" dirty="0" smtClean="0"/>
-              <a:t>In Progress – </a:t>
+              <a:t>data</a:t>
+            </a:r>
+          </a:p>
+          <a:p>
+            <a:pPr lvl="2"/>
+            <a:r>
+              <a:rPr lang="en-US" dirty="0" smtClean="0"/>
+              <a:t>In Test – Extraction of cubes from SVO leaves</a:t>
+            </a:r>
+            <a:endParaRPr lang="en-US" dirty="0" smtClean="0"/>
+          </a:p>
+          <a:p>
+            <a:pPr lvl="2"/>
+            <a:r>
+              <a:rPr lang="en-US" dirty="0" smtClean="0"/>
+              <a:t>Just Starting – </a:t>
             </a:r>
             <a:r>
               <a:rPr lang="en-US" dirty="0" err="1" smtClean="0"/>
@@ -3910,7 +4029,23 @@
             </a:r>
             <a:r>
               <a:rPr lang="en-US" dirty="0" smtClean="0"/>
-              <a:t>-Map values from leaves into higher levels</a:t>
+              <a:t>-Map </a:t>
+            </a:r>
+            <a:r>
+              <a:rPr lang="en-US" dirty="0" smtClean="0"/>
+              <a:t>RGBA </a:t>
+            </a:r>
+            <a:r>
+              <a:rPr lang="en-US" dirty="0" smtClean="0"/>
+              <a:t>values </a:t>
+            </a:r>
+            <a:r>
+              <a:rPr lang="en-US" dirty="0" smtClean="0"/>
+              <a:t>from leaves into higher </a:t>
+            </a:r>
+            <a:r>
+              <a:rPr lang="en-US" dirty="0" smtClean="0"/>
+              <a:t>levels in brick pool</a:t>
             </a:r>
             <a:endParaRPr lang="en-US" dirty="0"/>
           </a:p>
@@ -4186,6 +4321,165 @@
       </p:grpSpPr>
       <p:sp>
         <p:nvSpPr>
+          <p:cNvPr id="2" name="Title 1"/>
+          <p:cNvSpPr>
+            <a:spLocks noGrp="1"/>
+          </p:cNvSpPr>
+          <p:nvPr>
+            <p:ph type="title"/>
+          </p:nvPr>
+        </p:nvSpPr>
+        <p:spPr/>
+        <p:txBody>
+          <a:bodyPr/>
+          <a:lstStyle/>
+          <a:p>
+            <a:r>
+              <a:rPr lang="en-US" dirty="0" err="1" smtClean="0"/>
+              <a:t>Mip</a:t>
+            </a:r>
+            <a:r>
+              <a:rPr lang="en-US" dirty="0" smtClean="0"/>
+              <a:t>-Mapping the Bricks</a:t>
+            </a:r>
+            <a:endParaRPr lang="en-US" dirty="0"/>
+          </a:p>
+        </p:txBody>
+      </p:sp>
+      <p:sp>
+        <p:nvSpPr>
+          <p:cNvPr id="3" name="Content Placeholder 2"/>
+          <p:cNvSpPr>
+            <a:spLocks noGrp="1"/>
+          </p:cNvSpPr>
+          <p:nvPr>
+            <p:ph sz="quarter" idx="1"/>
+          </p:nvPr>
+        </p:nvSpPr>
+        <p:spPr/>
+        <p:txBody>
+          <a:bodyPr/>
+          <a:lstStyle/>
+          <a:p>
+            <a:r>
+              <a:rPr lang="en-US" dirty="0" smtClean="0"/>
+              <a:t>Use 3x3x3 bricks in texture memory</a:t>
+            </a:r>
+          </a:p>
+          <a:p>
+            <a:r>
+              <a:rPr lang="en-US" dirty="0" smtClean="0"/>
+              <a:t>Redundant overlapping edges allow for texture interpolation anywhere in the node.</a:t>
+            </a:r>
+          </a:p>
+          <a:p>
+            <a:r>
+              <a:rPr lang="en-US" dirty="0" smtClean="0"/>
+              <a:t>Use appropriate weights when </a:t>
+            </a:r>
+            <a:r>
+              <a:rPr lang="en-US" dirty="0" err="1" smtClean="0"/>
+              <a:t>mip</a:t>
+            </a:r>
+            <a:r>
+              <a:rPr lang="en-US" dirty="0" smtClean="0"/>
+              <a:t>-mapping to account for double-counting.</a:t>
+            </a:r>
+            <a:endParaRPr lang="en-US" dirty="0"/>
+          </a:p>
+        </p:txBody>
+      </p:sp>
+      <p:pic>
+        <p:nvPicPr>
+          <p:cNvPr id="2050" name="Picture 2"/>
+          <p:cNvPicPr>
+            <a:picLocks noChangeAspect="1" noChangeArrowheads="1"/>
+          </p:cNvPicPr>
+          <p:nvPr/>
+        </p:nvPicPr>
+        <p:blipFill>
+          <a:blip r:embed="rId2" cstate="print"/>
+          <a:srcRect/>
+          <a:stretch>
+            <a:fillRect/>
+          </a:stretch>
+        </p:blipFill>
+        <p:spPr bwMode="auto">
+          <a:xfrm>
+            <a:off x="1219200" y="3810000"/>
+            <a:ext cx="3216349" cy="2095500"/>
+          </a:xfrm>
+          <a:prstGeom prst="rect">
+            <a:avLst/>
+          </a:prstGeom>
+          <a:noFill/>
+          <a:ln w="9525">
+            <a:noFill/>
+            <a:miter lim="800000"/>
+            <a:headEnd/>
+            <a:tailEnd/>
+          </a:ln>
+        </p:spPr>
+      </p:pic>
+      <p:pic>
+        <p:nvPicPr>
+          <p:cNvPr id="2051" name="Picture 3"/>
+          <p:cNvPicPr>
+            <a:picLocks noChangeAspect="1" noChangeArrowheads="1"/>
+          </p:cNvPicPr>
+          <p:nvPr/>
+        </p:nvPicPr>
+        <p:blipFill>
+          <a:blip r:embed="rId3" cstate="print"/>
+          <a:srcRect/>
+          <a:stretch>
+            <a:fillRect/>
+          </a:stretch>
+        </p:blipFill>
+        <p:spPr bwMode="auto">
+          <a:xfrm>
+            <a:off x="5334000" y="3657600"/>
+            <a:ext cx="2819400" cy="2522621"/>
+          </a:xfrm>
+          <a:prstGeom prst="rect">
+            <a:avLst/>
+          </a:prstGeom>
+          <a:noFill/>
+          <a:ln w="9525">
+            <a:noFill/>
+            <a:miter lim="800000"/>
+            <a:headEnd/>
+            <a:tailEnd/>
+          </a:ln>
+        </p:spPr>
+      </p:pic>
+    </p:spTree>
+  </p:cSld>
+  <p:clrMapOvr>
+    <a:masterClrMapping/>
+  </p:clrMapOvr>
+</p:sld>
+</file>
+
+<file path=ppt/slides/slide5.xml><?xml version="1.0" encoding="utf-8"?>
+<p:sld xmlns:a="http://schemas.openxmlformats.org/drawingml/2006/main" xmlns:r="http://schemas.openxmlformats.org/officeDocument/2006/relationships" xmlns:p="http://schemas.openxmlformats.org/presentationml/2006/main">
+  <p:cSld>
+    <p:spTree>
+      <p:nvGrpSpPr>
+        <p:cNvPr id="1" name=""/>
+        <p:cNvGrpSpPr/>
+        <p:nvPr/>
+      </p:nvGrpSpPr>
+      <p:grpSpPr>
+        <a:xfrm>
+          <a:off x="0" y="0"/>
+          <a:ext cx="0" cy="0"/>
+          <a:chOff x="0" y="0"/>
+          <a:chExt cx="0" cy="0"/>
+        </a:xfrm>
+      </p:grpSpPr>
+      <p:sp>
+        <p:nvSpPr>
           <p:cNvPr id="5" name="Title 4"/>
           <p:cNvSpPr>
             <a:spLocks noGrp="1"/>
@@ -4201,7 +4495,11 @@
           <a:p>
             <a:r>
               <a:rPr lang="en-US" dirty="0" smtClean="0"/>
-              <a:t>New Results..</a:t>
+              <a:t>New </a:t>
+            </a:r>
+            <a:r>
+              <a:rPr lang="en-US" dirty="0" smtClean="0"/>
+              <a:t>Results</a:t>
             </a:r>
             <a:endParaRPr lang="en-US" dirty="0"/>
           </a:p>
@@ -4224,13 +4522,142 @@
         </p:blipFill>
         <p:spPr bwMode="auto">
           <a:xfrm>
-            <a:off x="4191000" y="2362200"/>
+            <a:off x="4191000" y="2514600"/>
             <a:ext cx="4754563" cy="4123397"/>
           </a:xfrm>
           <a:prstGeom prst="rect">
             <a:avLst/>
           </a:prstGeom>
           <a:noFill/>
+        </p:spPr>
+      </p:pic>
+      <p:pic>
+        <p:nvPicPr>
+          <p:cNvPr id="1026" name="Picture 2" descr="C:\Users\Dave\Documents\GitHub\Voxel-based-Rendering-\images\stanford_dragon_voxelized_gl.png"/>
+          <p:cNvPicPr>
+            <a:picLocks noChangeAspect="1" noChangeArrowheads="1"/>
+          </p:cNvPicPr>
+          <p:nvPr/>
+        </p:nvPicPr>
+        <p:blipFill>
+          <a:blip r:embed="rId3" cstate="print"/>
+          <a:srcRect/>
+          <a:stretch>
+            <a:fillRect/>
+          </a:stretch>
+        </p:blipFill>
+        <p:spPr bwMode="auto">
+          <a:xfrm>
+            <a:off x="152400" y="1447800"/>
+            <a:ext cx="4267200" cy="4362027"/>
+          </a:xfrm>
+          <a:prstGeom prst="rect">
+            <a:avLst/>
+          </a:prstGeom>
+          <a:noFill/>
+        </p:spPr>
+      </p:pic>
+    </p:spTree>
+  </p:cSld>
+  <p:clrMapOvr>
+    <a:masterClrMapping/>
+  </p:clrMapOvr>
+</p:sld>
+</file>
+
+<file path=ppt/slides/slide6.xml><?xml version="1.0" encoding="utf-8"?>
+<p:sld xmlns:a="http://schemas.openxmlformats.org/drawingml/2006/main" xmlns:r="http://schemas.openxmlformats.org/officeDocument/2006/relationships" xmlns:p="http://schemas.openxmlformats.org/presentationml/2006/main">
+  <p:cSld>
+    <p:spTree>
+      <p:nvGrpSpPr>
+        <p:cNvPr id="1" name=""/>
+        <p:cNvGrpSpPr/>
+        <p:nvPr/>
+      </p:nvGrpSpPr>
+      <p:grpSpPr>
+        <a:xfrm>
+          <a:off x="0" y="0"/>
+          <a:ext cx="0" cy="0"/>
+          <a:chOff x="0" y="0"/>
+          <a:chExt cx="0" cy="0"/>
+        </a:xfrm>
+      </p:grpSpPr>
+      <p:sp>
+        <p:nvSpPr>
+          <p:cNvPr id="2" name="Title 1"/>
+          <p:cNvSpPr>
+            <a:spLocks noGrp="1"/>
+          </p:cNvSpPr>
+          <p:nvPr>
+            <p:ph type="title"/>
+          </p:nvPr>
+        </p:nvSpPr>
+        <p:spPr/>
+        <p:txBody>
+          <a:bodyPr/>
+          <a:lstStyle/>
+          <a:p>
+            <a:r>
+              <a:rPr lang="en-US" dirty="0" smtClean="0"/>
+              <a:t>Next Week…</a:t>
+            </a:r>
+            <a:endParaRPr lang="en-US" dirty="0"/>
+          </a:p>
+        </p:txBody>
+      </p:sp>
+      <p:sp>
+        <p:nvSpPr>
+          <p:cNvPr id="3" name="Content Placeholder 2"/>
+          <p:cNvSpPr>
+            <a:spLocks noGrp="1"/>
+          </p:cNvSpPr>
+          <p:nvPr>
+            <p:ph sz="quarter" idx="1"/>
+          </p:nvPr>
+        </p:nvSpPr>
+        <p:spPr/>
+        <p:txBody>
+          <a:bodyPr/>
+          <a:lstStyle/>
+          <a:p>
+            <a:r>
+              <a:rPr lang="en-US" dirty="0" smtClean="0"/>
+              <a:t>Rendering lighting into the SVO</a:t>
+            </a:r>
+            <a:endParaRPr lang="en-US" dirty="0"/>
+          </a:p>
+        </p:txBody>
+      </p:sp>
+      <p:pic>
+        <p:nvPicPr>
+          <p:cNvPr id="3075" name="Picture 3"/>
+          <p:cNvPicPr>
+            <a:picLocks noChangeAspect="1" noChangeArrowheads="1"/>
+          </p:cNvPicPr>
+          <p:nvPr/>
+        </p:nvPicPr>
+        <p:blipFill>
+          <a:blip r:embed="rId2" cstate="print"/>
+          <a:srcRect/>
+          <a:stretch>
+            <a:fillRect/>
+          </a:stretch>
+        </p:blipFill>
+        <p:spPr bwMode="auto">
+          <a:xfrm>
+            <a:off x="1066800" y="2514600"/>
+            <a:ext cx="7143750" cy="2905125"/>
+          </a:xfrm>
+          <a:prstGeom prst="rect">
+            <a:avLst/>
+          </a:prstGeom>
+          <a:noFill/>
+          <a:ln w="9525">
+            <a:noFill/>
+            <a:miter lim="800000"/>
+            <a:headEnd/>
+            <a:tailEnd/>
+          </a:ln>
         </p:spPr>
       </p:pic>
     </p:spTree>
